--- a/programozasi_nyelvek_cpp_gyak01.pptx
+++ b/programozasi_nyelvek_cpp_gyak01.pptx
@@ -325,7 +325,7 @@
               <a:pPr>
                 <a:defRPr/>
               </a:pPr>
-              <a:t>2013.09.08.</a:t>
+              <a:t>2013.09.10.</a:t>
             </a:fld>
             <a:endParaRPr lang="hu-HU"/>
           </a:p>
@@ -844,7 +844,7 @@
               <a:pPr>
                 <a:defRPr/>
               </a:pPr>
-              <a:t>2013.09.08.</a:t>
+              <a:t>2013.09.10.</a:t>
             </a:fld>
             <a:endParaRPr lang="hu-HU"/>
           </a:p>
@@ -1036,7 +1036,7 @@
               <a:pPr>
                 <a:defRPr/>
               </a:pPr>
-              <a:t>2013.09.08.</a:t>
+              <a:t>2013.09.10.</a:t>
             </a:fld>
             <a:endParaRPr lang="hu-HU"/>
           </a:p>
@@ -1238,7 +1238,7 @@
               <a:pPr>
                 <a:defRPr/>
               </a:pPr>
-              <a:t>2013.09.08.</a:t>
+              <a:t>2013.09.10.</a:t>
             </a:fld>
             <a:endParaRPr lang="hu-HU"/>
           </a:p>
@@ -1430,7 +1430,7 @@
               <a:pPr>
                 <a:defRPr/>
               </a:pPr>
-              <a:t>2013.09.08.</a:t>
+              <a:t>2013.09.10.</a:t>
             </a:fld>
             <a:endParaRPr lang="hu-HU"/>
           </a:p>
@@ -1698,7 +1698,7 @@
               <a:pPr>
                 <a:defRPr/>
               </a:pPr>
-              <a:t>2013.09.08.</a:t>
+              <a:t>2013.09.10.</a:t>
             </a:fld>
             <a:endParaRPr lang="hu-HU"/>
           </a:p>
@@ -2008,7 +2008,7 @@
               <a:pPr>
                 <a:defRPr/>
               </a:pPr>
-              <a:t>2013.09.08.</a:t>
+              <a:t>2013.09.10.</a:t>
             </a:fld>
             <a:endParaRPr lang="hu-HU"/>
           </a:p>
@@ -2452,7 +2452,7 @@
               <a:pPr>
                 <a:defRPr/>
               </a:pPr>
-              <a:t>2013.09.08.</a:t>
+              <a:t>2013.09.10.</a:t>
             </a:fld>
             <a:endParaRPr lang="hu-HU"/>
           </a:p>
@@ -2592,7 +2592,7 @@
               <a:pPr>
                 <a:defRPr/>
               </a:pPr>
-              <a:t>2013.09.08.</a:t>
+              <a:t>2013.09.10.</a:t>
             </a:fld>
             <a:endParaRPr lang="hu-HU"/>
           </a:p>
@@ -2709,7 +2709,7 @@
               <a:pPr>
                 <a:defRPr/>
               </a:pPr>
-              <a:t>2013.09.08.</a:t>
+              <a:t>2013.09.10.</a:t>
             </a:fld>
             <a:endParaRPr lang="hu-HU"/>
           </a:p>
@@ -3008,7 +3008,7 @@
               <a:pPr>
                 <a:defRPr/>
               </a:pPr>
-              <a:t>2013.09.08.</a:t>
+              <a:t>2013.09.10.</a:t>
             </a:fld>
             <a:endParaRPr lang="hu-HU"/>
           </a:p>
@@ -3286,7 +3286,7 @@
               <a:pPr>
                 <a:defRPr/>
               </a:pPr>
-              <a:t>2013.09.08.</a:t>
+              <a:t>2013.09.10.</a:t>
             </a:fld>
             <a:endParaRPr lang="hu-HU"/>
           </a:p>
@@ -3542,7 +3542,7 @@
               <a:pPr>
                 <a:defRPr/>
               </a:pPr>
-              <a:t>2013.09.08.</a:t>
+              <a:t>2013.09.10.</a:t>
             </a:fld>
             <a:endParaRPr lang="hu-HU"/>
           </a:p>
@@ -6120,7 +6120,7 @@
           <a:lstStyle/>
           <a:p>
             <a:r>
-              <a:rPr lang="hu-HU" sz="2800" smtClean="0">
+              <a:rPr lang="hu-HU" sz="2800" dirty="0" smtClean="0">
                 <a:sym typeface="Wingdings" pitchFamily="2" charset="2"/>
               </a:rPr>
               <a:t>Ahogy már láttuk:</a:t>
@@ -6129,16 +6129,40 @@
           <a:p>
             <a:pPr lvl="1"/>
             <a:r>
-              <a:rPr lang="hu-HU" sz="2000" smtClean="0">
+              <a:rPr lang="hu-HU" sz="2000" dirty="0" smtClean="0">
                 <a:sym typeface="Wingdings" pitchFamily="2" charset="2"/>
               </a:rPr>
-              <a:t>$ g++ main.cpp -o main</a:t>
+              <a:t>$ g++ </a:t>
+            </a:r>
+            <a:r>
+              <a:rPr lang="hu-HU" sz="2000" dirty="0" err="1" smtClean="0">
+                <a:sym typeface="Wingdings" pitchFamily="2" charset="2"/>
+              </a:rPr>
+              <a:t>main.cpp</a:t>
+            </a:r>
+            <a:r>
+              <a:rPr lang="hu-HU" sz="2000" dirty="0" smtClean="0">
+                <a:sym typeface="Wingdings" pitchFamily="2" charset="2"/>
+              </a:rPr>
+              <a:t> </a:t>
+            </a:r>
+            <a:r>
+              <a:rPr lang="hu-HU" sz="2000" dirty="0" err="1" smtClean="0">
+                <a:sym typeface="Wingdings" pitchFamily="2" charset="2"/>
+              </a:rPr>
+              <a:t>-o</a:t>
+            </a:r>
+            <a:r>
+              <a:rPr lang="hu-HU" sz="2000" dirty="0" smtClean="0">
+                <a:sym typeface="Wingdings" pitchFamily="2" charset="2"/>
+              </a:rPr>
+              <a:t> main</a:t>
             </a:r>
           </a:p>
           <a:p>
             <a:pPr lvl="1"/>
             <a:r>
-              <a:rPr lang="hu-HU" sz="2000" smtClean="0">
+              <a:rPr lang="hu-HU" sz="2000" dirty="0" smtClean="0">
                 <a:sym typeface="Wingdings" pitchFamily="2" charset="2"/>
               </a:rPr>
               <a:t>$ ./main</a:t>
@@ -6146,80 +6170,170 @@
           </a:p>
           <a:p>
             <a:r>
-              <a:rPr lang="hu-HU" sz="2400" smtClean="0">
+              <a:rPr lang="hu-HU" sz="2400" dirty="0" smtClean="0">
                 <a:sym typeface="Wingdings" pitchFamily="2" charset="2"/>
               </a:rPr>
-              <a:t>Parancssori paraméterrekel</a:t>
-            </a:r>
-          </a:p>
-          <a:p>
-            <a:pPr lvl="1"/>
-            <a:r>
-              <a:rPr lang="hu-HU" sz="2000" smtClean="0">
+              <a:t>Parancssori </a:t>
+            </a:r>
+            <a:r>
+              <a:rPr lang="hu-HU" sz="2400" dirty="0" smtClean="0">
                 <a:sym typeface="Wingdings" pitchFamily="2" charset="2"/>
               </a:rPr>
-              <a:t>$ ./main param1 param2</a:t>
-            </a:r>
-          </a:p>
-          <a:p>
-            <a:pPr lvl="1"/>
-            <a:r>
-              <a:rPr lang="hu-HU" sz="2000" smtClean="0">
-                <a:sym typeface="Wingdings" pitchFamily="2" charset="2"/>
-              </a:rPr>
-              <a:t>argv[0] maga a futtatható állomány; argv[1], ... a tényleges paraméterek</a:t>
-            </a:r>
-          </a:p>
-          <a:p>
-            <a:r>
-              <a:rPr lang="hu-HU" sz="2400" smtClean="0">
-                <a:sym typeface="Wingdings" pitchFamily="2" charset="2"/>
-              </a:rPr>
-              <a:t>Hibákat irassuk ki:</a:t>
-            </a:r>
-          </a:p>
-          <a:p>
-            <a:pPr lvl="1"/>
-            <a:r>
-              <a:rPr lang="hu-HU" sz="2000" smtClean="0">
-                <a:sym typeface="Wingdings" pitchFamily="2" charset="2"/>
-              </a:rPr>
-              <a:t>$ g++ -Wall main.cpp -o main</a:t>
-            </a:r>
-          </a:p>
-          <a:p>
-            <a:r>
-              <a:rPr lang="hu-HU" sz="2400" smtClean="0">
-                <a:sym typeface="Wingdings" pitchFamily="2" charset="2"/>
-              </a:rPr>
-              <a:t>Error, warning</a:t>
-            </a:r>
-          </a:p>
-          <a:p>
-            <a:r>
-              <a:rPr lang="hu-HU" sz="2400" smtClean="0">
-                <a:sym typeface="Wingdings" pitchFamily="2" charset="2"/>
-              </a:rPr>
-              <a:t>Hiba kiírása:</a:t>
-            </a:r>
-          </a:p>
-          <a:p>
-            <a:pPr lvl="1"/>
-            <a:r>
-              <a:rPr lang="hu-HU" sz="2000" smtClean="0">
-                <a:sym typeface="Wingdings" pitchFamily="2" charset="2"/>
-              </a:rPr>
-              <a:t>fájlnév:sor száma:hibaüzenet</a:t>
-            </a:r>
-          </a:p>
-          <a:p>
-            <a:endParaRPr lang="hu-HU" sz="2400" smtClean="0">
+              <a:t>paraméterekkel</a:t>
+            </a:r>
+            <a:endParaRPr lang="hu-HU" sz="2400" dirty="0" smtClean="0">
               <a:sym typeface="Wingdings" pitchFamily="2" charset="2"/>
             </a:endParaRPr>
           </a:p>
           <a:p>
             <a:pPr lvl="1"/>
-            <a:endParaRPr lang="hu-HU" sz="2000" smtClean="0">
+            <a:r>
+              <a:rPr lang="hu-HU" sz="2000" dirty="0" smtClean="0">
+                <a:sym typeface="Wingdings" pitchFamily="2" charset="2"/>
+              </a:rPr>
+              <a:t>$ ./main param1 param2</a:t>
+            </a:r>
+          </a:p>
+          <a:p>
+            <a:pPr lvl="1"/>
+            <a:r>
+              <a:rPr lang="hu-HU" sz="2000" dirty="0" err="1" smtClean="0">
+                <a:sym typeface="Wingdings" pitchFamily="2" charset="2"/>
+              </a:rPr>
+              <a:t>argv</a:t>
+            </a:r>
+            <a:r>
+              <a:rPr lang="hu-HU" sz="2000" dirty="0" smtClean="0">
+                <a:sym typeface="Wingdings" pitchFamily="2" charset="2"/>
+              </a:rPr>
+              <a:t>[0] maga a futtatható állomány; </a:t>
+            </a:r>
+            <a:r>
+              <a:rPr lang="hu-HU" sz="2000" dirty="0" err="1" smtClean="0">
+                <a:sym typeface="Wingdings" pitchFamily="2" charset="2"/>
+              </a:rPr>
+              <a:t>argv</a:t>
+            </a:r>
+            <a:r>
+              <a:rPr lang="hu-HU" sz="2000" dirty="0" smtClean="0">
+                <a:sym typeface="Wingdings" pitchFamily="2" charset="2"/>
+              </a:rPr>
+              <a:t>[1], ... a tényleges paraméterek</a:t>
+            </a:r>
+          </a:p>
+          <a:p>
+            <a:r>
+              <a:rPr lang="hu-HU" sz="2400" dirty="0" smtClean="0">
+                <a:sym typeface="Wingdings" pitchFamily="2" charset="2"/>
+              </a:rPr>
+              <a:t>Hibákat </a:t>
+            </a:r>
+            <a:r>
+              <a:rPr lang="hu-HU" sz="2400" dirty="0" err="1" smtClean="0">
+                <a:sym typeface="Wingdings" pitchFamily="2" charset="2"/>
+              </a:rPr>
+              <a:t>irassuk</a:t>
+            </a:r>
+            <a:r>
+              <a:rPr lang="hu-HU" sz="2400" dirty="0" smtClean="0">
+                <a:sym typeface="Wingdings" pitchFamily="2" charset="2"/>
+              </a:rPr>
+              <a:t> ki:</a:t>
+            </a:r>
+          </a:p>
+          <a:p>
+            <a:pPr lvl="1"/>
+            <a:r>
+              <a:rPr lang="hu-HU" sz="2000" dirty="0" smtClean="0">
+                <a:sym typeface="Wingdings" pitchFamily="2" charset="2"/>
+              </a:rPr>
+              <a:t>$ g++ </a:t>
+            </a:r>
+            <a:r>
+              <a:rPr lang="hu-HU" sz="2000" dirty="0" err="1" smtClean="0">
+                <a:sym typeface="Wingdings" pitchFamily="2" charset="2"/>
+              </a:rPr>
+              <a:t>-Wall</a:t>
+            </a:r>
+            <a:r>
+              <a:rPr lang="hu-HU" sz="2000" dirty="0" smtClean="0">
+                <a:sym typeface="Wingdings" pitchFamily="2" charset="2"/>
+              </a:rPr>
+              <a:t> </a:t>
+            </a:r>
+            <a:r>
+              <a:rPr lang="hu-HU" sz="2000" dirty="0" err="1" smtClean="0">
+                <a:sym typeface="Wingdings" pitchFamily="2" charset="2"/>
+              </a:rPr>
+              <a:t>main.cpp</a:t>
+            </a:r>
+            <a:r>
+              <a:rPr lang="hu-HU" sz="2000" dirty="0" smtClean="0">
+                <a:sym typeface="Wingdings" pitchFamily="2" charset="2"/>
+              </a:rPr>
+              <a:t> </a:t>
+            </a:r>
+            <a:r>
+              <a:rPr lang="hu-HU" sz="2000" dirty="0" err="1" smtClean="0">
+                <a:sym typeface="Wingdings" pitchFamily="2" charset="2"/>
+              </a:rPr>
+              <a:t>-o</a:t>
+            </a:r>
+            <a:r>
+              <a:rPr lang="hu-HU" sz="2000" dirty="0" smtClean="0">
+                <a:sym typeface="Wingdings" pitchFamily="2" charset="2"/>
+              </a:rPr>
+              <a:t> main</a:t>
+            </a:r>
+          </a:p>
+          <a:p>
+            <a:r>
+              <a:rPr lang="hu-HU" sz="2400" dirty="0" err="1" smtClean="0">
+                <a:sym typeface="Wingdings" pitchFamily="2" charset="2"/>
+              </a:rPr>
+              <a:t>Error</a:t>
+            </a:r>
+            <a:r>
+              <a:rPr lang="hu-HU" sz="2400" dirty="0" smtClean="0">
+                <a:sym typeface="Wingdings" pitchFamily="2" charset="2"/>
+              </a:rPr>
+              <a:t>, </a:t>
+            </a:r>
+            <a:r>
+              <a:rPr lang="hu-HU" sz="2400" dirty="0" err="1" smtClean="0">
+                <a:sym typeface="Wingdings" pitchFamily="2" charset="2"/>
+              </a:rPr>
+              <a:t>warning</a:t>
+            </a:r>
+            <a:endParaRPr lang="hu-HU" sz="2400" dirty="0" smtClean="0">
+              <a:sym typeface="Wingdings" pitchFamily="2" charset="2"/>
+            </a:endParaRPr>
+          </a:p>
+          <a:p>
+            <a:r>
+              <a:rPr lang="hu-HU" sz="2400" dirty="0" smtClean="0">
+                <a:sym typeface="Wingdings" pitchFamily="2" charset="2"/>
+              </a:rPr>
+              <a:t>Hiba kiírása:</a:t>
+            </a:r>
+          </a:p>
+          <a:p>
+            <a:pPr lvl="1"/>
+            <a:r>
+              <a:rPr lang="hu-HU" sz="2000" dirty="0" smtClean="0">
+                <a:sym typeface="Wingdings" pitchFamily="2" charset="2"/>
+              </a:rPr>
+              <a:t>fájlnév:sor száma:hibaüzenet</a:t>
+            </a:r>
+          </a:p>
+          <a:p>
+            <a:endParaRPr lang="hu-HU" sz="2400" dirty="0" smtClean="0">
+              <a:sym typeface="Wingdings" pitchFamily="2" charset="2"/>
+            </a:endParaRPr>
+          </a:p>
+          <a:p>
+            <a:pPr lvl="1"/>
+            <a:endParaRPr lang="hu-HU" sz="2000" dirty="0" smtClean="0">
               <a:sym typeface="Wingdings" pitchFamily="2" charset="2"/>
             </a:endParaRPr>
           </a:p>
@@ -10687,7 +10801,7 @@
           <a:p>
             <a:r>
               <a:rPr lang="hu-HU" sz="2800" dirty="0" err="1" smtClean="0"/>
-              <a:t>Preprocessor</a:t>
+              <a:t>Preprocesszor</a:t>
             </a:r>
             <a:r>
               <a:rPr lang="hu-HU" sz="2800" dirty="0" smtClean="0"/>
@@ -10708,13 +10822,10 @@
               <a:t>Mit csinál? Kezeli az alábbi </a:t>
             </a:r>
             <a:r>
-              <a:rPr lang="hu-HU" sz="2400" dirty="0" err="1" smtClean="0"/>
-              <a:t>direktívákta</a:t>
-            </a:r>
-            <a:r>
               <a:rPr lang="hu-HU" sz="2400" dirty="0" smtClean="0"/>
-              <a:t>:</a:t>
-            </a:r>
+              <a:t>direktívákra:</a:t>
+            </a:r>
+            <a:endParaRPr lang="hu-HU" sz="2400" dirty="0" smtClean="0"/>
           </a:p>
           <a:p>
             <a:pPr lvl="2"/>
@@ -12889,7 +13000,19 @@
             </a:pPr>
             <a:r>
               <a:rPr lang="hu-HU" sz="2400" dirty="0" smtClean="0"/>
-              <a:t>Váltózókat: hivatkozhatsz egy változóra, mielőtt deklarálnád. </a:t>
+              <a:t>Váltózókat: hivatkozhatsz egy változóra, mielőtt </a:t>
+            </a:r>
+            <a:r>
+              <a:rPr lang="hu-HU" sz="2400" dirty="0" smtClean="0"/>
+              <a:t>definiálnád</a:t>
+            </a:r>
+            <a:r>
+              <a:rPr lang="hu-HU" sz="2400" dirty="0" smtClean="0"/>
+              <a:t>. </a:t>
+            </a:r>
+            <a:r>
+              <a:rPr lang="hu-HU" sz="2400" dirty="0" smtClean="0"/>
+              <a:t/>
             </a:r>
             <a:br>
               <a:rPr lang="hu-HU" sz="2400" dirty="0" smtClean="0"/>
@@ -18414,7 +18537,7 @@
                 <a:latin typeface="Consolas" pitchFamily="49" charset="0"/>
                 <a:cs typeface="Consolas" pitchFamily="49" charset="0"/>
               </a:rPr>
-              <a:t>Y</a:t>
+              <a:t>X</a:t>
             </a:r>
             <a:endParaRPr lang="hu-HU" sz="2400" dirty="0">
               <a:latin typeface="Consolas" pitchFamily="49" charset="0"/>
@@ -21519,20 +21642,12 @@
           <a:p>
             <a:pPr lvl="1"/>
             <a:r>
-              <a:rPr lang="hu-HU" dirty="0" err="1" smtClean="0"/>
-              <a:t>Globalis</a:t>
-            </a:r>
-            <a:r>
               <a:rPr lang="hu-HU" dirty="0" smtClean="0"/>
-              <a:t> </a:t>
-            </a:r>
-            <a:r>
-              <a:rPr lang="hu-HU" dirty="0" err="1" smtClean="0"/>
-              <a:t>statkus</a:t>
+              <a:t>Globális statikus </a:t>
             </a:r>
             <a:r>
               <a:rPr lang="hu-HU" dirty="0" smtClean="0"/>
-              <a:t> változók helyett!</a:t>
+              <a:t>változók helyett!</a:t>
             </a:r>
           </a:p>
           <a:p>
@@ -22939,15 +23054,15 @@
               <a:t> </a:t>
             </a:r>
             <a:r>
+              <a:rPr lang="hu-HU" dirty="0" smtClean="0"/>
+              <a:t>manipulátor</a:t>
+            </a:r>
+            <a:endParaRPr lang="hu-HU" dirty="0" smtClean="0"/>
+          </a:p>
+          <a:p>
+            <a:r>
               <a:rPr lang="hu-HU" dirty="0" err="1" smtClean="0"/>
-              <a:t>manipulator</a:t>
-            </a:r>
-            <a:endParaRPr lang="hu-HU" dirty="0" smtClean="0"/>
-          </a:p>
-          <a:p>
-            <a:r>
-              <a:rPr lang="hu-HU" dirty="0" err="1" smtClean="0"/>
-              <a:t>iteratorok</a:t>
+              <a:t>iterátorok</a:t>
             </a:r>
             <a:endParaRPr lang="hu-HU" dirty="0"/>
           </a:p>
@@ -23056,7 +23171,7 @@
           <a:lstStyle/>
           <a:p>
             <a:r>
-              <a:rPr lang="hu-HU" sz="2800" smtClean="0">
+              <a:rPr lang="hu-HU" sz="2800" dirty="0" smtClean="0">
                 <a:latin typeface="Arial" charset="0"/>
               </a:rPr>
               <a:t>Kimenet:</a:t>
@@ -23065,46 +23180,200 @@
           <a:p>
             <a:pPr lvl="1"/>
             <a:r>
-              <a:rPr lang="hu-HU" sz="2400" smtClean="0">
+              <a:rPr lang="hu-HU" sz="2400" dirty="0" smtClean="0">
                 <a:latin typeface="Arial" charset="0"/>
               </a:rPr>
-              <a:t>#include &lt;iostream&gt;</a:t>
+              <a:t>#</a:t>
+            </a:r>
+            <a:r>
+              <a:rPr lang="hu-HU" sz="2400" dirty="0" err="1" smtClean="0">
+                <a:latin typeface="Arial" charset="0"/>
+              </a:rPr>
+              <a:t>include</a:t>
+            </a:r>
+            <a:r>
+              <a:rPr lang="hu-HU" sz="2400" dirty="0" smtClean="0">
+                <a:latin typeface="Arial" charset="0"/>
+              </a:rPr>
+              <a:t> &lt;</a:t>
+            </a:r>
+            <a:r>
+              <a:rPr lang="hu-HU" sz="2400" dirty="0" err="1" smtClean="0">
+                <a:latin typeface="Arial" charset="0"/>
+              </a:rPr>
+              <a:t>iostream</a:t>
+            </a:r>
+            <a:r>
+              <a:rPr lang="hu-HU" sz="2400" dirty="0" smtClean="0">
+                <a:latin typeface="Arial" charset="0"/>
+              </a:rPr>
+              <a:t>&gt;</a:t>
             </a:r>
           </a:p>
           <a:p>
             <a:pPr lvl="1"/>
             <a:r>
-              <a:rPr lang="hu-HU" sz="2400" smtClean="0">
+              <a:rPr lang="hu-HU" sz="2400" dirty="0" err="1" smtClean="0">
                 <a:latin typeface="Arial" charset="0"/>
               </a:rPr>
-              <a:t>using namespace std;</a:t>
+              <a:t>using</a:t>
+            </a:r>
+            <a:r>
+              <a:rPr lang="hu-HU" sz="2400" dirty="0" smtClean="0">
+                <a:latin typeface="Arial" charset="0"/>
+              </a:rPr>
+              <a:t> </a:t>
+            </a:r>
+            <a:r>
+              <a:rPr lang="hu-HU" sz="2400" dirty="0" err="1" smtClean="0">
+                <a:latin typeface="Arial" charset="0"/>
+              </a:rPr>
+              <a:t>namespace</a:t>
+            </a:r>
+            <a:r>
+              <a:rPr lang="hu-HU" sz="2400" dirty="0" smtClean="0">
+                <a:latin typeface="Arial" charset="0"/>
+              </a:rPr>
+              <a:t> </a:t>
+            </a:r>
+            <a:r>
+              <a:rPr lang="hu-HU" sz="2400" dirty="0" err="1" smtClean="0">
+                <a:latin typeface="Arial" charset="0"/>
+              </a:rPr>
+              <a:t>std</a:t>
+            </a:r>
+            <a:r>
+              <a:rPr lang="hu-HU" sz="2400" dirty="0" smtClean="0">
+                <a:latin typeface="Arial" charset="0"/>
+              </a:rPr>
+              <a:t>;</a:t>
             </a:r>
           </a:p>
           <a:p>
             <a:pPr lvl="1"/>
             <a:r>
-              <a:rPr lang="hu-HU" sz="2400" smtClean="0">
+              <a:rPr lang="hu-HU" sz="2400" dirty="0" smtClean="0">
                 <a:latin typeface="Arial" charset="0"/>
               </a:rPr>
-              <a:t>Az iostream minden beépített típusra meghatároz kimenetet.</a:t>
+              <a:t>Az </a:t>
+            </a:r>
+            <a:r>
+              <a:rPr lang="hu-HU" sz="2400" dirty="0" err="1" smtClean="0">
+                <a:latin typeface="Arial" charset="0"/>
+              </a:rPr>
+              <a:t>iostream</a:t>
+            </a:r>
+            <a:r>
+              <a:rPr lang="hu-HU" sz="2400" dirty="0" smtClean="0">
+                <a:latin typeface="Arial" charset="0"/>
+              </a:rPr>
+              <a:t> minden beépített típusra meghatároz kimenetet.</a:t>
             </a:r>
           </a:p>
           <a:p>
             <a:pPr lvl="1"/>
             <a:r>
-              <a:rPr lang="hu-HU" sz="2400" smtClean="0">
+              <a:rPr lang="hu-HU" sz="2400" dirty="0" smtClean="0">
                 <a:latin typeface="Arial" charset="0"/>
               </a:rPr>
-              <a:t>Alapértelmezésben a cout-ra kerülő kimeneti értékek karaktersorozatra alakítódnak át.</a:t>
+              <a:t>Alapértelmezésben a </a:t>
+            </a:r>
+            <a:r>
+              <a:rPr lang="hu-HU" sz="2400" dirty="0" err="1" smtClean="0">
+                <a:latin typeface="Arial" charset="0"/>
+              </a:rPr>
+              <a:t>cout-ra</a:t>
+            </a:r>
+            <a:r>
+              <a:rPr lang="hu-HU" sz="2400" dirty="0" smtClean="0">
+                <a:latin typeface="Arial" charset="0"/>
+              </a:rPr>
+              <a:t> kerülő kimeneti értékek karaktersorozatra alakítódnak át.</a:t>
             </a:r>
           </a:p>
           <a:p>
             <a:pPr lvl="1"/>
             <a:r>
-              <a:rPr lang="hu-HU" sz="2400" smtClean="0">
-                <a:latin typeface="Arial" charset="0"/>
-              </a:rPr>
-              <a:t>cout &lt;&lt; ”hello vilag!” &lt;&lt; 10 &lt;&lt; endl;</a:t>
+              <a:rPr lang="hu-HU" sz="2200" dirty="0" err="1" smtClean="0">
+                <a:latin typeface="Consolas" pitchFamily="49" charset="0"/>
+                <a:cs typeface="Consolas" pitchFamily="49" charset="0"/>
+              </a:rPr>
+              <a:t>cout</a:t>
+            </a:r>
+            <a:r>
+              <a:rPr lang="hu-HU" sz="2200" dirty="0" smtClean="0">
+                <a:latin typeface="Consolas" pitchFamily="49" charset="0"/>
+                <a:cs typeface="Consolas" pitchFamily="49" charset="0"/>
+              </a:rPr>
+              <a:t> &lt;&lt; </a:t>
+            </a:r>
+            <a:r>
+              <a:rPr lang="hu-HU" sz="2200" dirty="0" smtClean="0">
+                <a:solidFill>
+                  <a:srgbClr val="FF0000"/>
+                </a:solidFill>
+                <a:latin typeface="Consolas" pitchFamily="49" charset="0"/>
+                <a:cs typeface="Consolas" pitchFamily="49" charset="0"/>
+              </a:rPr>
+              <a:t>”hello </a:t>
+            </a:r>
+            <a:r>
+              <a:rPr lang="hu-HU" sz="2200" dirty="0" err="1" smtClean="0">
+                <a:solidFill>
+                  <a:srgbClr val="FF0000"/>
+                </a:solidFill>
+                <a:latin typeface="Consolas" pitchFamily="49" charset="0"/>
+                <a:cs typeface="Consolas" pitchFamily="49" charset="0"/>
+              </a:rPr>
+              <a:t>vilag</a:t>
+            </a:r>
+            <a:r>
+              <a:rPr lang="hu-HU" sz="2200" dirty="0" smtClean="0">
+                <a:solidFill>
+                  <a:srgbClr val="FF0000"/>
+                </a:solidFill>
+                <a:latin typeface="Consolas" pitchFamily="49" charset="0"/>
+                <a:cs typeface="Consolas" pitchFamily="49" charset="0"/>
+              </a:rPr>
+              <a:t>!”</a:t>
+            </a:r>
+            <a:r>
+              <a:rPr lang="hu-HU" sz="2200" dirty="0" smtClean="0">
+                <a:latin typeface="Consolas" pitchFamily="49" charset="0"/>
+                <a:cs typeface="Consolas" pitchFamily="49" charset="0"/>
+              </a:rPr>
+              <a:t> &lt;&lt; </a:t>
+            </a:r>
+            <a:r>
+              <a:rPr lang="hu-HU" sz="2200" dirty="0" smtClean="0">
+                <a:solidFill>
+                  <a:srgbClr val="00B0F0"/>
+                </a:solidFill>
+                <a:latin typeface="Consolas" pitchFamily="49" charset="0"/>
+                <a:cs typeface="Consolas" pitchFamily="49" charset="0"/>
+              </a:rPr>
+              <a:t>10</a:t>
+            </a:r>
+            <a:r>
+              <a:rPr lang="hu-HU" sz="2200" dirty="0" smtClean="0">
+                <a:latin typeface="Consolas" pitchFamily="49" charset="0"/>
+                <a:cs typeface="Consolas" pitchFamily="49" charset="0"/>
+              </a:rPr>
+              <a:t> &lt;&lt; </a:t>
+            </a:r>
+            <a:r>
+              <a:rPr lang="hu-HU" sz="2200" dirty="0" err="1" smtClean="0">
+                <a:latin typeface="Consolas" pitchFamily="49" charset="0"/>
+                <a:cs typeface="Consolas" pitchFamily="49" charset="0"/>
+              </a:rPr>
+              <a:t>endl</a:t>
+            </a:r>
+            <a:r>
+              <a:rPr lang="hu-HU" sz="2200" dirty="0" smtClean="0">
+                <a:latin typeface="Consolas" pitchFamily="49" charset="0"/>
+                <a:cs typeface="Consolas" pitchFamily="49" charset="0"/>
+              </a:rPr>
+              <a:t>;</a:t>
             </a:r>
           </a:p>
         </p:txBody>
@@ -23562,7 +23831,7 @@
           <a:lstStyle/>
           <a:p>
             <a:r>
-              <a:rPr lang="hu-HU" sz="2800" smtClean="0">
+              <a:rPr lang="hu-HU" sz="2800" dirty="0" smtClean="0">
                 <a:latin typeface="Arial" charset="0"/>
               </a:rPr>
               <a:t>Bemenet:</a:t>
@@ -23571,39 +23840,58 @@
           <a:p>
             <a:pPr lvl="1"/>
             <a:r>
-              <a:rPr lang="hu-HU" sz="2400" smtClean="0">
+              <a:rPr lang="hu-HU" sz="2400" dirty="0" err="1" smtClean="0">
                 <a:latin typeface="Arial" charset="0"/>
               </a:rPr>
-              <a:t>istream: beépített típusok karaktersorozatként történő ábrázolásával dolgozik.</a:t>
+              <a:t>istream</a:t>
+            </a:r>
+            <a:r>
+              <a:rPr lang="hu-HU" sz="2400" dirty="0" smtClean="0">
+                <a:latin typeface="Arial" charset="0"/>
+              </a:rPr>
+              <a:t>: beépített típusok karaktersorozatként történő ábrázolásával dolgozik.</a:t>
             </a:r>
           </a:p>
           <a:p>
             <a:pPr lvl="1"/>
             <a:r>
-              <a:rPr lang="hu-HU" sz="2400" smtClean="0">
+              <a:rPr lang="hu-HU" sz="2400" dirty="0" smtClean="0">
                 <a:latin typeface="Arial" charset="0"/>
               </a:rPr>
               <a:t>A &gt;&gt; jobb oldalán álló típus határozza meg, hogy bemenet fogadható el, és mi a beolvasó művelet célpontja.</a:t>
             </a:r>
             <a:br>
-              <a:rPr lang="hu-HU" sz="2400" smtClean="0">
+              <a:rPr lang="hu-HU" sz="2400" dirty="0" smtClean="0">
                 <a:latin typeface="Arial" charset="0"/>
               </a:rPr>
             </a:br>
             <a:r>
-              <a:rPr lang="hu-HU" sz="2400" smtClean="0">
-                <a:latin typeface="Arial" charset="0"/>
-              </a:rPr>
-              <a:t>int i;</a:t>
+              <a:rPr lang="hu-HU" sz="2400" dirty="0" smtClean="0">
+                <a:solidFill>
+                  <a:srgbClr val="00B050"/>
+                </a:solidFill>
+                <a:latin typeface="Consolas" pitchFamily="49" charset="0"/>
+                <a:cs typeface="Consolas" pitchFamily="49" charset="0"/>
+              </a:rPr>
+              <a:t>int</a:t>
+            </a:r>
+            <a:r>
+              <a:rPr lang="hu-HU" sz="2400" dirty="0" smtClean="0">
+                <a:latin typeface="Consolas" pitchFamily="49" charset="0"/>
+                <a:cs typeface="Consolas" pitchFamily="49" charset="0"/>
+              </a:rPr>
+              <a:t> i;</a:t>
             </a:r>
             <a:br>
-              <a:rPr lang="hu-HU" sz="2400" smtClean="0">
-                <a:latin typeface="Arial" charset="0"/>
+              <a:rPr lang="hu-HU" sz="2400" dirty="0" smtClean="0">
+                <a:latin typeface="Consolas" pitchFamily="49" charset="0"/>
+                <a:cs typeface="Consolas" pitchFamily="49" charset="0"/>
               </a:rPr>
             </a:br>
             <a:r>
-              <a:rPr lang="hu-HU" sz="2400" smtClean="0">
-                <a:latin typeface="Arial" charset="0"/>
+              <a:rPr lang="hu-HU" sz="2400" dirty="0" smtClean="0">
+                <a:latin typeface="Consolas" pitchFamily="49" charset="0"/>
+                <a:cs typeface="Consolas" pitchFamily="49" charset="0"/>
               </a:rPr>
               <a:t>cin &gt;&gt; i;</a:t>
             </a:r>
@@ -25485,12 +25773,16 @@
               <a:t>Írj egy egyszerű </a:t>
             </a:r>
             <a:r>
-              <a:rPr lang="hu-HU" dirty="0" err="1" smtClean="0"/>
-              <a:t>hellovilág</a:t>
+              <a:rPr lang="hu-HU" i="1" dirty="0" err="1" smtClean="0"/>
+              <a:t>hellovilag</a:t>
             </a:r>
             <a:r>
               <a:rPr lang="hu-HU" dirty="0" smtClean="0"/>
-              <a:t> programot, ahol minden lehetséges </a:t>
+              <a:t> </a:t>
+            </a:r>
+            <a:r>
+              <a:rPr lang="hu-HU" dirty="0" smtClean="0"/>
+              <a:t>programot, ahol minden lehetséges </a:t>
             </a:r>
             <a:r>
               <a:rPr lang="hu-HU" dirty="0" err="1" smtClean="0"/>
